--- a/ppt 16-9/0306.这里有神的同.pptx
+++ b/ppt 16-9/0306.这里有神的同.pptx
@@ -5,7 +5,7 @@
     <p:sldMasterId id="2147483648" r:id="rId1"/>
   </p:sldMasterIdLst>
   <p:sldIdLst>
-    <p:sldId id="3187" r:id="rId2"/>
+    <p:sldId id="3189" r:id="rId2"/>
   </p:sldIdLst>
   <p:sldSz cx="12192000" cy="6858000"/>
   <p:notesSz cx="6858000" cy="9144000"/>
@@ -129,7 +129,7 @@
           <p:cNvPr id="2" name="标题 1">
             <a:extLst>
               <a:ext uri="{FF2B5EF4-FFF2-40B4-BE49-F238E27FC236}">
-                <a16:creationId xmlns:a16="http://schemas.microsoft.com/office/drawing/2014/main" id="{7A671901-9F42-B924-67C3-70F5192FAFEE}"/>
+                <a16:creationId xmlns:a16="http://schemas.microsoft.com/office/drawing/2014/main" id="{CFC1ED9F-5F37-50E1-FCAC-212703464A47}"/>
               </a:ext>
             </a:extLst>
           </p:cNvPr>
@@ -166,7 +166,7 @@
           <p:cNvPr id="3" name="副标题 2">
             <a:extLst>
               <a:ext uri="{FF2B5EF4-FFF2-40B4-BE49-F238E27FC236}">
-                <a16:creationId xmlns:a16="http://schemas.microsoft.com/office/drawing/2014/main" id="{E34E6100-C99E-AED7-0097-6C868B4D9735}"/>
+                <a16:creationId xmlns:a16="http://schemas.microsoft.com/office/drawing/2014/main" id="{78B80E4A-BCA1-C42B-3136-444AA766B5D7}"/>
               </a:ext>
             </a:extLst>
           </p:cNvPr>
@@ -236,7 +236,7 @@
           <p:cNvPr id="4" name="日期占位符 3">
             <a:extLst>
               <a:ext uri="{FF2B5EF4-FFF2-40B4-BE49-F238E27FC236}">
-                <a16:creationId xmlns:a16="http://schemas.microsoft.com/office/drawing/2014/main" id="{AD418E73-3DDB-D7A3-E6C9-E547C72A7997}"/>
+                <a16:creationId xmlns:a16="http://schemas.microsoft.com/office/drawing/2014/main" id="{91AC6DAA-7622-C0BB-0DE1-7EF399AD7D95}"/>
               </a:ext>
             </a:extLst>
           </p:cNvPr>
@@ -252,7 +252,7 @@
           <a:bodyPr/>
           <a:lstStyle/>
           <a:p>
-            <a:fld id="{F5C09710-630A-4FDE-BBAF-97474E79DCA1}" type="datetimeFigureOut">
+            <a:fld id="{4DF446D5-0FCE-4197-AA9D-5511CD2248E5}" type="datetimeFigureOut">
               <a:rPr lang="zh-CN" altLang="en-US" smtClean="0"/>
               <a:t>2024/3/10</a:t>
             </a:fld>
@@ -265,7 +265,7 @@
           <p:cNvPr id="5" name="页脚占位符 4">
             <a:extLst>
               <a:ext uri="{FF2B5EF4-FFF2-40B4-BE49-F238E27FC236}">
-                <a16:creationId xmlns:a16="http://schemas.microsoft.com/office/drawing/2014/main" id="{6ED14314-C5FA-C35E-E05F-1E3DBB6F7FB2}"/>
+                <a16:creationId xmlns:a16="http://schemas.microsoft.com/office/drawing/2014/main" id="{1342BBAA-76B4-8A3C-7B32-A1FEF64B1321}"/>
               </a:ext>
             </a:extLst>
           </p:cNvPr>
@@ -290,7 +290,7 @@
           <p:cNvPr id="6" name="灯片编号占位符 5">
             <a:extLst>
               <a:ext uri="{FF2B5EF4-FFF2-40B4-BE49-F238E27FC236}">
-                <a16:creationId xmlns:a16="http://schemas.microsoft.com/office/drawing/2014/main" id="{6F2B4D9B-0E3F-96F5-D318-846786F17D9F}"/>
+                <a16:creationId xmlns:a16="http://schemas.microsoft.com/office/drawing/2014/main" id="{05F97B48-6DA6-0AAC-4F9F-0A0CCD9563F0}"/>
               </a:ext>
             </a:extLst>
           </p:cNvPr>
@@ -306,7 +306,7 @@
           <a:bodyPr/>
           <a:lstStyle/>
           <a:p>
-            <a:fld id="{EF6EBCA6-870F-40DD-9EF1-CD0755D6E1DB}" type="slidenum">
+            <a:fld id="{1F2CE66E-468A-4082-B8F4-BBDB1919ED43}" type="slidenum">
               <a:rPr lang="zh-CN" altLang="en-US" smtClean="0"/>
               <a:t>‹#›</a:t>
             </a:fld>
@@ -317,7 +317,7 @@
     </p:spTree>
     <p:extLst>
       <p:ext uri="{BB962C8B-B14F-4D97-AF65-F5344CB8AC3E}">
-        <p14:creationId xmlns:p14="http://schemas.microsoft.com/office/powerpoint/2010/main" val="1449623519"/>
+        <p14:creationId xmlns:p14="http://schemas.microsoft.com/office/powerpoint/2010/main" val="174230388"/>
       </p:ext>
     </p:extLst>
   </p:cSld>
@@ -349,7 +349,7 @@
           <p:cNvPr id="2" name="标题 1">
             <a:extLst>
               <a:ext uri="{FF2B5EF4-FFF2-40B4-BE49-F238E27FC236}">
-                <a16:creationId xmlns:a16="http://schemas.microsoft.com/office/drawing/2014/main" id="{166C9395-23EA-16BA-711A-24DDC8A15351}"/>
+                <a16:creationId xmlns:a16="http://schemas.microsoft.com/office/drawing/2014/main" id="{09A22C0B-C11E-1BFB-9136-1952DD046C8E}"/>
               </a:ext>
             </a:extLst>
           </p:cNvPr>
@@ -377,7 +377,7 @@
           <p:cNvPr id="3" name="竖排文字占位符 2">
             <a:extLst>
               <a:ext uri="{FF2B5EF4-FFF2-40B4-BE49-F238E27FC236}">
-                <a16:creationId xmlns:a16="http://schemas.microsoft.com/office/drawing/2014/main" id="{30CFA33E-2F23-BE09-9E0D-A9F5B9DE39DF}"/>
+                <a16:creationId xmlns:a16="http://schemas.microsoft.com/office/drawing/2014/main" id="{E6CEE0B9-031C-3B68-B0FC-A45CEECFA54A}"/>
               </a:ext>
             </a:extLst>
           </p:cNvPr>
@@ -434,7 +434,7 @@
           <p:cNvPr id="4" name="日期占位符 3">
             <a:extLst>
               <a:ext uri="{FF2B5EF4-FFF2-40B4-BE49-F238E27FC236}">
-                <a16:creationId xmlns:a16="http://schemas.microsoft.com/office/drawing/2014/main" id="{DEE96777-8C58-ED69-8BA6-DF3419462DAA}"/>
+                <a16:creationId xmlns:a16="http://schemas.microsoft.com/office/drawing/2014/main" id="{20607932-3346-F495-E14A-A11438656370}"/>
               </a:ext>
             </a:extLst>
           </p:cNvPr>
@@ -450,7 +450,7 @@
           <a:bodyPr/>
           <a:lstStyle/>
           <a:p>
-            <a:fld id="{F5C09710-630A-4FDE-BBAF-97474E79DCA1}" type="datetimeFigureOut">
+            <a:fld id="{4DF446D5-0FCE-4197-AA9D-5511CD2248E5}" type="datetimeFigureOut">
               <a:rPr lang="zh-CN" altLang="en-US" smtClean="0"/>
               <a:t>2024/3/10</a:t>
             </a:fld>
@@ -463,7 +463,7 @@
           <p:cNvPr id="5" name="页脚占位符 4">
             <a:extLst>
               <a:ext uri="{FF2B5EF4-FFF2-40B4-BE49-F238E27FC236}">
-                <a16:creationId xmlns:a16="http://schemas.microsoft.com/office/drawing/2014/main" id="{D08A4661-DA0F-06C3-63E8-357F65EEDD9C}"/>
+                <a16:creationId xmlns:a16="http://schemas.microsoft.com/office/drawing/2014/main" id="{9648FBF2-E308-D89B-FE5C-E5181A3F770E}"/>
               </a:ext>
             </a:extLst>
           </p:cNvPr>
@@ -488,7 +488,7 @@
           <p:cNvPr id="6" name="灯片编号占位符 5">
             <a:extLst>
               <a:ext uri="{FF2B5EF4-FFF2-40B4-BE49-F238E27FC236}">
-                <a16:creationId xmlns:a16="http://schemas.microsoft.com/office/drawing/2014/main" id="{838E5345-E0C3-B37B-407B-BC775563A1E8}"/>
+                <a16:creationId xmlns:a16="http://schemas.microsoft.com/office/drawing/2014/main" id="{B0F5078B-1962-B88D-8431-6C0FCC37C5B0}"/>
               </a:ext>
             </a:extLst>
           </p:cNvPr>
@@ -504,7 +504,7 @@
           <a:bodyPr/>
           <a:lstStyle/>
           <a:p>
-            <a:fld id="{EF6EBCA6-870F-40DD-9EF1-CD0755D6E1DB}" type="slidenum">
+            <a:fld id="{1F2CE66E-468A-4082-B8F4-BBDB1919ED43}" type="slidenum">
               <a:rPr lang="zh-CN" altLang="en-US" smtClean="0"/>
               <a:t>‹#›</a:t>
             </a:fld>
@@ -515,7 +515,7 @@
     </p:spTree>
     <p:extLst>
       <p:ext uri="{BB962C8B-B14F-4D97-AF65-F5344CB8AC3E}">
-        <p14:creationId xmlns:p14="http://schemas.microsoft.com/office/powerpoint/2010/main" val="3639403001"/>
+        <p14:creationId xmlns:p14="http://schemas.microsoft.com/office/powerpoint/2010/main" val="1465075296"/>
       </p:ext>
     </p:extLst>
   </p:cSld>
@@ -547,7 +547,7 @@
           <p:cNvPr id="2" name="竖排标题 1">
             <a:extLst>
               <a:ext uri="{FF2B5EF4-FFF2-40B4-BE49-F238E27FC236}">
-                <a16:creationId xmlns:a16="http://schemas.microsoft.com/office/drawing/2014/main" id="{2F7BD385-8C04-80F2-96D2-543A4EA3AF88}"/>
+                <a16:creationId xmlns:a16="http://schemas.microsoft.com/office/drawing/2014/main" id="{2E3B9191-A72F-624D-E96A-1F2670753893}"/>
               </a:ext>
             </a:extLst>
           </p:cNvPr>
@@ -580,7 +580,7 @@
           <p:cNvPr id="3" name="竖排文字占位符 2">
             <a:extLst>
               <a:ext uri="{FF2B5EF4-FFF2-40B4-BE49-F238E27FC236}">
-                <a16:creationId xmlns:a16="http://schemas.microsoft.com/office/drawing/2014/main" id="{41CF261C-D4C5-F7B2-A63A-D0AB9433D395}"/>
+                <a16:creationId xmlns:a16="http://schemas.microsoft.com/office/drawing/2014/main" id="{5D8709EC-4861-B650-2C92-061F55E2871F}"/>
               </a:ext>
             </a:extLst>
           </p:cNvPr>
@@ -642,7 +642,7 @@
           <p:cNvPr id="4" name="日期占位符 3">
             <a:extLst>
               <a:ext uri="{FF2B5EF4-FFF2-40B4-BE49-F238E27FC236}">
-                <a16:creationId xmlns:a16="http://schemas.microsoft.com/office/drawing/2014/main" id="{8335E9B3-59D0-A6A5-7767-A1582C77A5DB}"/>
+                <a16:creationId xmlns:a16="http://schemas.microsoft.com/office/drawing/2014/main" id="{1B72783E-9CDE-F368-FE89-145528008F08}"/>
               </a:ext>
             </a:extLst>
           </p:cNvPr>
@@ -658,7 +658,7 @@
           <a:bodyPr/>
           <a:lstStyle/>
           <a:p>
-            <a:fld id="{F5C09710-630A-4FDE-BBAF-97474E79DCA1}" type="datetimeFigureOut">
+            <a:fld id="{4DF446D5-0FCE-4197-AA9D-5511CD2248E5}" type="datetimeFigureOut">
               <a:rPr lang="zh-CN" altLang="en-US" smtClean="0"/>
               <a:t>2024/3/10</a:t>
             </a:fld>
@@ -671,7 +671,7 @@
           <p:cNvPr id="5" name="页脚占位符 4">
             <a:extLst>
               <a:ext uri="{FF2B5EF4-FFF2-40B4-BE49-F238E27FC236}">
-                <a16:creationId xmlns:a16="http://schemas.microsoft.com/office/drawing/2014/main" id="{85083C74-6D01-AC82-DBF8-09096E9FAF1C}"/>
+                <a16:creationId xmlns:a16="http://schemas.microsoft.com/office/drawing/2014/main" id="{10C64D48-AB12-0635-5A05-B93CB490346E}"/>
               </a:ext>
             </a:extLst>
           </p:cNvPr>
@@ -696,7 +696,7 @@
           <p:cNvPr id="6" name="灯片编号占位符 5">
             <a:extLst>
               <a:ext uri="{FF2B5EF4-FFF2-40B4-BE49-F238E27FC236}">
-                <a16:creationId xmlns:a16="http://schemas.microsoft.com/office/drawing/2014/main" id="{B2EDDACD-B77C-6EDF-64E5-A4D808286479}"/>
+                <a16:creationId xmlns:a16="http://schemas.microsoft.com/office/drawing/2014/main" id="{FDE6291A-CB90-EEB8-81AB-F575A2AA9B81}"/>
               </a:ext>
             </a:extLst>
           </p:cNvPr>
@@ -712,7 +712,7 @@
           <a:bodyPr/>
           <a:lstStyle/>
           <a:p>
-            <a:fld id="{EF6EBCA6-870F-40DD-9EF1-CD0755D6E1DB}" type="slidenum">
+            <a:fld id="{1F2CE66E-468A-4082-B8F4-BBDB1919ED43}" type="slidenum">
               <a:rPr lang="zh-CN" altLang="en-US" smtClean="0"/>
               <a:t>‹#›</a:t>
             </a:fld>
@@ -723,7 +723,7 @@
     </p:spTree>
     <p:extLst>
       <p:ext uri="{BB962C8B-B14F-4D97-AF65-F5344CB8AC3E}">
-        <p14:creationId xmlns:p14="http://schemas.microsoft.com/office/powerpoint/2010/main" val="420912522"/>
+        <p14:creationId xmlns:p14="http://schemas.microsoft.com/office/powerpoint/2010/main" val="1909541449"/>
       </p:ext>
     </p:extLst>
   </p:cSld>
@@ -755,7 +755,7 @@
           <p:cNvPr id="2" name="标题 1">
             <a:extLst>
               <a:ext uri="{FF2B5EF4-FFF2-40B4-BE49-F238E27FC236}">
-                <a16:creationId xmlns:a16="http://schemas.microsoft.com/office/drawing/2014/main" id="{6D974AEF-792E-4049-803A-9165A4984843}"/>
+                <a16:creationId xmlns:a16="http://schemas.microsoft.com/office/drawing/2014/main" id="{E59F47CB-4496-5B7A-966C-03C62C0429BE}"/>
               </a:ext>
             </a:extLst>
           </p:cNvPr>
@@ -783,7 +783,7 @@
           <p:cNvPr id="3" name="内容占位符 2">
             <a:extLst>
               <a:ext uri="{FF2B5EF4-FFF2-40B4-BE49-F238E27FC236}">
-                <a16:creationId xmlns:a16="http://schemas.microsoft.com/office/drawing/2014/main" id="{7F261F66-9220-A8DC-9433-8928558EBD3D}"/>
+                <a16:creationId xmlns:a16="http://schemas.microsoft.com/office/drawing/2014/main" id="{7835E6D0-6EB6-28A5-338B-834383B82A85}"/>
               </a:ext>
             </a:extLst>
           </p:cNvPr>
@@ -840,7 +840,7 @@
           <p:cNvPr id="4" name="日期占位符 3">
             <a:extLst>
               <a:ext uri="{FF2B5EF4-FFF2-40B4-BE49-F238E27FC236}">
-                <a16:creationId xmlns:a16="http://schemas.microsoft.com/office/drawing/2014/main" id="{E6834E49-0AB7-EA30-C2AF-032B125E4C19}"/>
+                <a16:creationId xmlns:a16="http://schemas.microsoft.com/office/drawing/2014/main" id="{6EA0EDB6-DC43-F82A-E95A-5A1B7008F55F}"/>
               </a:ext>
             </a:extLst>
           </p:cNvPr>
@@ -856,7 +856,7 @@
           <a:bodyPr/>
           <a:lstStyle/>
           <a:p>
-            <a:fld id="{F5C09710-630A-4FDE-BBAF-97474E79DCA1}" type="datetimeFigureOut">
+            <a:fld id="{4DF446D5-0FCE-4197-AA9D-5511CD2248E5}" type="datetimeFigureOut">
               <a:rPr lang="zh-CN" altLang="en-US" smtClean="0"/>
               <a:t>2024/3/10</a:t>
             </a:fld>
@@ -869,7 +869,7 @@
           <p:cNvPr id="5" name="页脚占位符 4">
             <a:extLst>
               <a:ext uri="{FF2B5EF4-FFF2-40B4-BE49-F238E27FC236}">
-                <a16:creationId xmlns:a16="http://schemas.microsoft.com/office/drawing/2014/main" id="{0459DDA4-66EC-74F4-1F61-91E25C8BD893}"/>
+                <a16:creationId xmlns:a16="http://schemas.microsoft.com/office/drawing/2014/main" id="{D0FAA290-29B9-D7E2-7ECB-E820F6E92459}"/>
               </a:ext>
             </a:extLst>
           </p:cNvPr>
@@ -894,7 +894,7 @@
           <p:cNvPr id="6" name="灯片编号占位符 5">
             <a:extLst>
               <a:ext uri="{FF2B5EF4-FFF2-40B4-BE49-F238E27FC236}">
-                <a16:creationId xmlns:a16="http://schemas.microsoft.com/office/drawing/2014/main" id="{CDF08669-2A42-4D3B-B22C-E565EA9F3E3E}"/>
+                <a16:creationId xmlns:a16="http://schemas.microsoft.com/office/drawing/2014/main" id="{64E26621-D17B-B9DF-F4B3-03EC56217EA9}"/>
               </a:ext>
             </a:extLst>
           </p:cNvPr>
@@ -910,7 +910,7 @@
           <a:bodyPr/>
           <a:lstStyle/>
           <a:p>
-            <a:fld id="{EF6EBCA6-870F-40DD-9EF1-CD0755D6E1DB}" type="slidenum">
+            <a:fld id="{1F2CE66E-468A-4082-B8F4-BBDB1919ED43}" type="slidenum">
               <a:rPr lang="zh-CN" altLang="en-US" smtClean="0"/>
               <a:t>‹#›</a:t>
             </a:fld>
@@ -921,7 +921,7 @@
     </p:spTree>
     <p:extLst>
       <p:ext uri="{BB962C8B-B14F-4D97-AF65-F5344CB8AC3E}">
-        <p14:creationId xmlns:p14="http://schemas.microsoft.com/office/powerpoint/2010/main" val="2488335093"/>
+        <p14:creationId xmlns:p14="http://schemas.microsoft.com/office/powerpoint/2010/main" val="2862424342"/>
       </p:ext>
     </p:extLst>
   </p:cSld>
@@ -953,7 +953,7 @@
           <p:cNvPr id="2" name="标题 1">
             <a:extLst>
               <a:ext uri="{FF2B5EF4-FFF2-40B4-BE49-F238E27FC236}">
-                <a16:creationId xmlns:a16="http://schemas.microsoft.com/office/drawing/2014/main" id="{CF9A5970-30CF-27BE-8DEE-FF7C733F05B7}"/>
+                <a16:creationId xmlns:a16="http://schemas.microsoft.com/office/drawing/2014/main" id="{5881121F-7CA8-01AB-0DA8-41768A2AC659}"/>
               </a:ext>
             </a:extLst>
           </p:cNvPr>
@@ -990,7 +990,7 @@
           <p:cNvPr id="3" name="文本占位符 2">
             <a:extLst>
               <a:ext uri="{FF2B5EF4-FFF2-40B4-BE49-F238E27FC236}">
-                <a16:creationId xmlns:a16="http://schemas.microsoft.com/office/drawing/2014/main" id="{9CB2DBE8-ABCA-21EF-37A2-8433ED07322B}"/>
+                <a16:creationId xmlns:a16="http://schemas.microsoft.com/office/drawing/2014/main" id="{106D4591-0015-7641-F55F-71175B6A80E8}"/>
               </a:ext>
             </a:extLst>
           </p:cNvPr>
@@ -1115,7 +1115,7 @@
           <p:cNvPr id="4" name="日期占位符 3">
             <a:extLst>
               <a:ext uri="{FF2B5EF4-FFF2-40B4-BE49-F238E27FC236}">
-                <a16:creationId xmlns:a16="http://schemas.microsoft.com/office/drawing/2014/main" id="{4AF0E1F3-C1D9-5B20-8652-3AEFD43311CB}"/>
+                <a16:creationId xmlns:a16="http://schemas.microsoft.com/office/drawing/2014/main" id="{8E5C61E7-48A6-C559-128F-9BDEF58D1B1D}"/>
               </a:ext>
             </a:extLst>
           </p:cNvPr>
@@ -1131,7 +1131,7 @@
           <a:bodyPr/>
           <a:lstStyle/>
           <a:p>
-            <a:fld id="{F5C09710-630A-4FDE-BBAF-97474E79DCA1}" type="datetimeFigureOut">
+            <a:fld id="{4DF446D5-0FCE-4197-AA9D-5511CD2248E5}" type="datetimeFigureOut">
               <a:rPr lang="zh-CN" altLang="en-US" smtClean="0"/>
               <a:t>2024/3/10</a:t>
             </a:fld>
@@ -1144,7 +1144,7 @@
           <p:cNvPr id="5" name="页脚占位符 4">
             <a:extLst>
               <a:ext uri="{FF2B5EF4-FFF2-40B4-BE49-F238E27FC236}">
-                <a16:creationId xmlns:a16="http://schemas.microsoft.com/office/drawing/2014/main" id="{21715443-F00E-01D2-BB88-0827E2C971D5}"/>
+                <a16:creationId xmlns:a16="http://schemas.microsoft.com/office/drawing/2014/main" id="{8A34D369-B843-52DB-8C79-90D094BE6B6B}"/>
               </a:ext>
             </a:extLst>
           </p:cNvPr>
@@ -1169,7 +1169,7 @@
           <p:cNvPr id="6" name="灯片编号占位符 5">
             <a:extLst>
               <a:ext uri="{FF2B5EF4-FFF2-40B4-BE49-F238E27FC236}">
-                <a16:creationId xmlns:a16="http://schemas.microsoft.com/office/drawing/2014/main" id="{DC3F84EE-6FA3-5676-6972-31D257101167}"/>
+                <a16:creationId xmlns:a16="http://schemas.microsoft.com/office/drawing/2014/main" id="{A1894D64-1F9A-A909-8867-C1C60488506F}"/>
               </a:ext>
             </a:extLst>
           </p:cNvPr>
@@ -1185,7 +1185,7 @@
           <a:bodyPr/>
           <a:lstStyle/>
           <a:p>
-            <a:fld id="{EF6EBCA6-870F-40DD-9EF1-CD0755D6E1DB}" type="slidenum">
+            <a:fld id="{1F2CE66E-468A-4082-B8F4-BBDB1919ED43}" type="slidenum">
               <a:rPr lang="zh-CN" altLang="en-US" smtClean="0"/>
               <a:t>‹#›</a:t>
             </a:fld>
@@ -1196,7 +1196,7 @@
     </p:spTree>
     <p:extLst>
       <p:ext uri="{BB962C8B-B14F-4D97-AF65-F5344CB8AC3E}">
-        <p14:creationId xmlns:p14="http://schemas.microsoft.com/office/powerpoint/2010/main" val="1047885942"/>
+        <p14:creationId xmlns:p14="http://schemas.microsoft.com/office/powerpoint/2010/main" val="2044679303"/>
       </p:ext>
     </p:extLst>
   </p:cSld>
@@ -1228,7 +1228,7 @@
           <p:cNvPr id="2" name="标题 1">
             <a:extLst>
               <a:ext uri="{FF2B5EF4-FFF2-40B4-BE49-F238E27FC236}">
-                <a16:creationId xmlns:a16="http://schemas.microsoft.com/office/drawing/2014/main" id="{A29310B6-0550-0796-CE10-0A957AA694F2}"/>
+                <a16:creationId xmlns:a16="http://schemas.microsoft.com/office/drawing/2014/main" id="{B83F13D6-D568-161F-D399-57EEEA94C5B0}"/>
               </a:ext>
             </a:extLst>
           </p:cNvPr>
@@ -1256,7 +1256,7 @@
           <p:cNvPr id="3" name="内容占位符 2">
             <a:extLst>
               <a:ext uri="{FF2B5EF4-FFF2-40B4-BE49-F238E27FC236}">
-                <a16:creationId xmlns:a16="http://schemas.microsoft.com/office/drawing/2014/main" id="{8014721B-5210-37F7-5D8C-62F38F02CDCC}"/>
+                <a16:creationId xmlns:a16="http://schemas.microsoft.com/office/drawing/2014/main" id="{87D07254-5DB1-844B-99EB-14027D8E250E}"/>
               </a:ext>
             </a:extLst>
           </p:cNvPr>
@@ -1318,7 +1318,7 @@
           <p:cNvPr id="4" name="内容占位符 3">
             <a:extLst>
               <a:ext uri="{FF2B5EF4-FFF2-40B4-BE49-F238E27FC236}">
-                <a16:creationId xmlns:a16="http://schemas.microsoft.com/office/drawing/2014/main" id="{0616DC65-425C-06B8-CBC8-73C9BB951E78}"/>
+                <a16:creationId xmlns:a16="http://schemas.microsoft.com/office/drawing/2014/main" id="{DEDEE245-101A-031A-A2EB-718C4C91712C}"/>
               </a:ext>
             </a:extLst>
           </p:cNvPr>
@@ -1380,7 +1380,7 @@
           <p:cNvPr id="5" name="日期占位符 4">
             <a:extLst>
               <a:ext uri="{FF2B5EF4-FFF2-40B4-BE49-F238E27FC236}">
-                <a16:creationId xmlns:a16="http://schemas.microsoft.com/office/drawing/2014/main" id="{E8EED023-63A4-918F-37C9-14F83527DF8A}"/>
+                <a16:creationId xmlns:a16="http://schemas.microsoft.com/office/drawing/2014/main" id="{474E5FF3-071E-0C9E-EFA2-AE9EF6E2B074}"/>
               </a:ext>
             </a:extLst>
           </p:cNvPr>
@@ -1396,7 +1396,7 @@
           <a:bodyPr/>
           <a:lstStyle/>
           <a:p>
-            <a:fld id="{F5C09710-630A-4FDE-BBAF-97474E79DCA1}" type="datetimeFigureOut">
+            <a:fld id="{4DF446D5-0FCE-4197-AA9D-5511CD2248E5}" type="datetimeFigureOut">
               <a:rPr lang="zh-CN" altLang="en-US" smtClean="0"/>
               <a:t>2024/3/10</a:t>
             </a:fld>
@@ -1409,7 +1409,7 @@
           <p:cNvPr id="6" name="页脚占位符 5">
             <a:extLst>
               <a:ext uri="{FF2B5EF4-FFF2-40B4-BE49-F238E27FC236}">
-                <a16:creationId xmlns:a16="http://schemas.microsoft.com/office/drawing/2014/main" id="{5A2CFA8A-DDB1-C365-A0C1-2FB198CF5B8C}"/>
+                <a16:creationId xmlns:a16="http://schemas.microsoft.com/office/drawing/2014/main" id="{817C03DF-2A8A-3F56-7E11-17F3DE6609DA}"/>
               </a:ext>
             </a:extLst>
           </p:cNvPr>
@@ -1434,7 +1434,7 @@
           <p:cNvPr id="7" name="灯片编号占位符 6">
             <a:extLst>
               <a:ext uri="{FF2B5EF4-FFF2-40B4-BE49-F238E27FC236}">
-                <a16:creationId xmlns:a16="http://schemas.microsoft.com/office/drawing/2014/main" id="{142942C9-0043-32FC-A0B8-996909C3EB41}"/>
+                <a16:creationId xmlns:a16="http://schemas.microsoft.com/office/drawing/2014/main" id="{93E6FC2E-42FC-69B3-EF84-69E0618A4A63}"/>
               </a:ext>
             </a:extLst>
           </p:cNvPr>
@@ -1450,7 +1450,7 @@
           <a:bodyPr/>
           <a:lstStyle/>
           <a:p>
-            <a:fld id="{EF6EBCA6-870F-40DD-9EF1-CD0755D6E1DB}" type="slidenum">
+            <a:fld id="{1F2CE66E-468A-4082-B8F4-BBDB1919ED43}" type="slidenum">
               <a:rPr lang="zh-CN" altLang="en-US" smtClean="0"/>
               <a:t>‹#›</a:t>
             </a:fld>
@@ -1461,7 +1461,7 @@
     </p:spTree>
     <p:extLst>
       <p:ext uri="{BB962C8B-B14F-4D97-AF65-F5344CB8AC3E}">
-        <p14:creationId xmlns:p14="http://schemas.microsoft.com/office/powerpoint/2010/main" val="1305851755"/>
+        <p14:creationId xmlns:p14="http://schemas.microsoft.com/office/powerpoint/2010/main" val="1703608684"/>
       </p:ext>
     </p:extLst>
   </p:cSld>
@@ -1493,7 +1493,7 @@
           <p:cNvPr id="2" name="标题 1">
             <a:extLst>
               <a:ext uri="{FF2B5EF4-FFF2-40B4-BE49-F238E27FC236}">
-                <a16:creationId xmlns:a16="http://schemas.microsoft.com/office/drawing/2014/main" id="{88242B74-E810-E947-7BE2-8FEF39A0042D}"/>
+                <a16:creationId xmlns:a16="http://schemas.microsoft.com/office/drawing/2014/main" id="{B7DF1DDC-D39D-2CB8-8243-155DA5F421FD}"/>
               </a:ext>
             </a:extLst>
           </p:cNvPr>
@@ -1526,7 +1526,7 @@
           <p:cNvPr id="3" name="文本占位符 2">
             <a:extLst>
               <a:ext uri="{FF2B5EF4-FFF2-40B4-BE49-F238E27FC236}">
-                <a16:creationId xmlns:a16="http://schemas.microsoft.com/office/drawing/2014/main" id="{3590B802-E15D-D969-8F0B-1AE5748B547A}"/>
+                <a16:creationId xmlns:a16="http://schemas.microsoft.com/office/drawing/2014/main" id="{4C8BDD43-AEFC-E00C-EDF5-5066FDE064DA}"/>
               </a:ext>
             </a:extLst>
           </p:cNvPr>
@@ -1597,7 +1597,7 @@
           <p:cNvPr id="4" name="内容占位符 3">
             <a:extLst>
               <a:ext uri="{FF2B5EF4-FFF2-40B4-BE49-F238E27FC236}">
-                <a16:creationId xmlns:a16="http://schemas.microsoft.com/office/drawing/2014/main" id="{C9AC63F3-1454-DF89-6179-25DF7D236BC5}"/>
+                <a16:creationId xmlns:a16="http://schemas.microsoft.com/office/drawing/2014/main" id="{C5B4D2A2-2AFE-0EA0-4D77-83847B07F287}"/>
               </a:ext>
             </a:extLst>
           </p:cNvPr>
@@ -1659,7 +1659,7 @@
           <p:cNvPr id="5" name="文本占位符 4">
             <a:extLst>
               <a:ext uri="{FF2B5EF4-FFF2-40B4-BE49-F238E27FC236}">
-                <a16:creationId xmlns:a16="http://schemas.microsoft.com/office/drawing/2014/main" id="{F1EDFBD7-9537-C9CE-0D4F-94A1119C3A4F}"/>
+                <a16:creationId xmlns:a16="http://schemas.microsoft.com/office/drawing/2014/main" id="{C507D276-56BE-F33C-3D1C-9F502E2B534F}"/>
               </a:ext>
             </a:extLst>
           </p:cNvPr>
@@ -1730,7 +1730,7 @@
           <p:cNvPr id="6" name="内容占位符 5">
             <a:extLst>
               <a:ext uri="{FF2B5EF4-FFF2-40B4-BE49-F238E27FC236}">
-                <a16:creationId xmlns:a16="http://schemas.microsoft.com/office/drawing/2014/main" id="{1B43E1FD-ED2C-C6A9-9B84-E0095D2003C8}"/>
+                <a16:creationId xmlns:a16="http://schemas.microsoft.com/office/drawing/2014/main" id="{3D716B1B-0A0E-B387-E08F-5DE489B57B80}"/>
               </a:ext>
             </a:extLst>
           </p:cNvPr>
@@ -1792,7 +1792,7 @@
           <p:cNvPr id="7" name="日期占位符 6">
             <a:extLst>
               <a:ext uri="{FF2B5EF4-FFF2-40B4-BE49-F238E27FC236}">
-                <a16:creationId xmlns:a16="http://schemas.microsoft.com/office/drawing/2014/main" id="{00E727C5-2F2B-CB5E-A9A4-CD17DEB2D0A2}"/>
+                <a16:creationId xmlns:a16="http://schemas.microsoft.com/office/drawing/2014/main" id="{FAACE381-6602-A232-83BA-D25696C87F0F}"/>
               </a:ext>
             </a:extLst>
           </p:cNvPr>
@@ -1808,7 +1808,7 @@
           <a:bodyPr/>
           <a:lstStyle/>
           <a:p>
-            <a:fld id="{F5C09710-630A-4FDE-BBAF-97474E79DCA1}" type="datetimeFigureOut">
+            <a:fld id="{4DF446D5-0FCE-4197-AA9D-5511CD2248E5}" type="datetimeFigureOut">
               <a:rPr lang="zh-CN" altLang="en-US" smtClean="0"/>
               <a:t>2024/3/10</a:t>
             </a:fld>
@@ -1821,7 +1821,7 @@
           <p:cNvPr id="8" name="页脚占位符 7">
             <a:extLst>
               <a:ext uri="{FF2B5EF4-FFF2-40B4-BE49-F238E27FC236}">
-                <a16:creationId xmlns:a16="http://schemas.microsoft.com/office/drawing/2014/main" id="{E6C01F72-66A5-2CD2-B0B1-03EA6FF92A8D}"/>
+                <a16:creationId xmlns:a16="http://schemas.microsoft.com/office/drawing/2014/main" id="{C1D44B7A-A097-B293-7C68-649551FD09F5}"/>
               </a:ext>
             </a:extLst>
           </p:cNvPr>
@@ -1846,7 +1846,7 @@
           <p:cNvPr id="9" name="灯片编号占位符 8">
             <a:extLst>
               <a:ext uri="{FF2B5EF4-FFF2-40B4-BE49-F238E27FC236}">
-                <a16:creationId xmlns:a16="http://schemas.microsoft.com/office/drawing/2014/main" id="{603C525D-2E31-8EE6-E3E2-BBC1B340C362}"/>
+                <a16:creationId xmlns:a16="http://schemas.microsoft.com/office/drawing/2014/main" id="{1B8B3DFB-BAE7-4066-6EF3-1F82ED8DD76F}"/>
               </a:ext>
             </a:extLst>
           </p:cNvPr>
@@ -1862,7 +1862,7 @@
           <a:bodyPr/>
           <a:lstStyle/>
           <a:p>
-            <a:fld id="{EF6EBCA6-870F-40DD-9EF1-CD0755D6E1DB}" type="slidenum">
+            <a:fld id="{1F2CE66E-468A-4082-B8F4-BBDB1919ED43}" type="slidenum">
               <a:rPr lang="zh-CN" altLang="en-US" smtClean="0"/>
               <a:t>‹#›</a:t>
             </a:fld>
@@ -1873,7 +1873,7 @@
     </p:spTree>
     <p:extLst>
       <p:ext uri="{BB962C8B-B14F-4D97-AF65-F5344CB8AC3E}">
-        <p14:creationId xmlns:p14="http://schemas.microsoft.com/office/powerpoint/2010/main" val="2971795533"/>
+        <p14:creationId xmlns:p14="http://schemas.microsoft.com/office/powerpoint/2010/main" val="977310451"/>
       </p:ext>
     </p:extLst>
   </p:cSld>
@@ -1905,7 +1905,7 @@
           <p:cNvPr id="2" name="标题 1">
             <a:extLst>
               <a:ext uri="{FF2B5EF4-FFF2-40B4-BE49-F238E27FC236}">
-                <a16:creationId xmlns:a16="http://schemas.microsoft.com/office/drawing/2014/main" id="{199FAF89-2F74-4AA0-163F-82F034ECD7C2}"/>
+                <a16:creationId xmlns:a16="http://schemas.microsoft.com/office/drawing/2014/main" id="{BBFAEF4B-B2FE-3818-521F-11EDC84334E0}"/>
               </a:ext>
             </a:extLst>
           </p:cNvPr>
@@ -1933,7 +1933,7 @@
           <p:cNvPr id="3" name="日期占位符 2">
             <a:extLst>
               <a:ext uri="{FF2B5EF4-FFF2-40B4-BE49-F238E27FC236}">
-                <a16:creationId xmlns:a16="http://schemas.microsoft.com/office/drawing/2014/main" id="{832279A0-6753-CD56-F60B-C8C85BF36981}"/>
+                <a16:creationId xmlns:a16="http://schemas.microsoft.com/office/drawing/2014/main" id="{F6BB2CF4-A3D6-9257-DE4C-9BF766C167E2}"/>
               </a:ext>
             </a:extLst>
           </p:cNvPr>
@@ -1949,7 +1949,7 @@
           <a:bodyPr/>
           <a:lstStyle/>
           <a:p>
-            <a:fld id="{F5C09710-630A-4FDE-BBAF-97474E79DCA1}" type="datetimeFigureOut">
+            <a:fld id="{4DF446D5-0FCE-4197-AA9D-5511CD2248E5}" type="datetimeFigureOut">
               <a:rPr lang="zh-CN" altLang="en-US" smtClean="0"/>
               <a:t>2024/3/10</a:t>
             </a:fld>
@@ -1962,7 +1962,7 @@
           <p:cNvPr id="4" name="页脚占位符 3">
             <a:extLst>
               <a:ext uri="{FF2B5EF4-FFF2-40B4-BE49-F238E27FC236}">
-                <a16:creationId xmlns:a16="http://schemas.microsoft.com/office/drawing/2014/main" id="{EFD2ED05-C5BF-CD03-3FD7-B1326D218568}"/>
+                <a16:creationId xmlns:a16="http://schemas.microsoft.com/office/drawing/2014/main" id="{1776D9F2-C0B1-8598-23D4-F117B32E6B55}"/>
               </a:ext>
             </a:extLst>
           </p:cNvPr>
@@ -1987,7 +1987,7 @@
           <p:cNvPr id="5" name="灯片编号占位符 4">
             <a:extLst>
               <a:ext uri="{FF2B5EF4-FFF2-40B4-BE49-F238E27FC236}">
-                <a16:creationId xmlns:a16="http://schemas.microsoft.com/office/drawing/2014/main" id="{37BB45EB-E343-179D-E8A5-B444360828CF}"/>
+                <a16:creationId xmlns:a16="http://schemas.microsoft.com/office/drawing/2014/main" id="{EF7911C6-D88E-11AD-FBFC-917ACC8D5671}"/>
               </a:ext>
             </a:extLst>
           </p:cNvPr>
@@ -2003,7 +2003,7 @@
           <a:bodyPr/>
           <a:lstStyle/>
           <a:p>
-            <a:fld id="{EF6EBCA6-870F-40DD-9EF1-CD0755D6E1DB}" type="slidenum">
+            <a:fld id="{1F2CE66E-468A-4082-B8F4-BBDB1919ED43}" type="slidenum">
               <a:rPr lang="zh-CN" altLang="en-US" smtClean="0"/>
               <a:t>‹#›</a:t>
             </a:fld>
@@ -2014,7 +2014,7 @@
     </p:spTree>
     <p:extLst>
       <p:ext uri="{BB962C8B-B14F-4D97-AF65-F5344CB8AC3E}">
-        <p14:creationId xmlns:p14="http://schemas.microsoft.com/office/powerpoint/2010/main" val="1221298168"/>
+        <p14:creationId xmlns:p14="http://schemas.microsoft.com/office/powerpoint/2010/main" val="823550838"/>
       </p:ext>
     </p:extLst>
   </p:cSld>
@@ -2046,7 +2046,7 @@
           <p:cNvPr id="2" name="日期占位符 1">
             <a:extLst>
               <a:ext uri="{FF2B5EF4-FFF2-40B4-BE49-F238E27FC236}">
-                <a16:creationId xmlns:a16="http://schemas.microsoft.com/office/drawing/2014/main" id="{3B99B429-D0AD-2714-7776-EFF6BB589A0F}"/>
+                <a16:creationId xmlns:a16="http://schemas.microsoft.com/office/drawing/2014/main" id="{0ABD129E-FA17-92EA-49AC-F0679CEA8457}"/>
               </a:ext>
             </a:extLst>
           </p:cNvPr>
@@ -2062,7 +2062,7 @@
           <a:bodyPr/>
           <a:lstStyle/>
           <a:p>
-            <a:fld id="{F5C09710-630A-4FDE-BBAF-97474E79DCA1}" type="datetimeFigureOut">
+            <a:fld id="{4DF446D5-0FCE-4197-AA9D-5511CD2248E5}" type="datetimeFigureOut">
               <a:rPr lang="zh-CN" altLang="en-US" smtClean="0"/>
               <a:t>2024/3/10</a:t>
             </a:fld>
@@ -2075,7 +2075,7 @@
           <p:cNvPr id="3" name="页脚占位符 2">
             <a:extLst>
               <a:ext uri="{FF2B5EF4-FFF2-40B4-BE49-F238E27FC236}">
-                <a16:creationId xmlns:a16="http://schemas.microsoft.com/office/drawing/2014/main" id="{1665116C-0C83-2287-931F-2C2426A50E21}"/>
+                <a16:creationId xmlns:a16="http://schemas.microsoft.com/office/drawing/2014/main" id="{70207CE1-5268-35E9-198F-B867F0822CCF}"/>
               </a:ext>
             </a:extLst>
           </p:cNvPr>
@@ -2100,7 +2100,7 @@
           <p:cNvPr id="4" name="灯片编号占位符 3">
             <a:extLst>
               <a:ext uri="{FF2B5EF4-FFF2-40B4-BE49-F238E27FC236}">
-                <a16:creationId xmlns:a16="http://schemas.microsoft.com/office/drawing/2014/main" id="{DF0FDBB7-7533-AA64-F1AB-2FA4F4CD3F89}"/>
+                <a16:creationId xmlns:a16="http://schemas.microsoft.com/office/drawing/2014/main" id="{D07905F7-736F-9A84-0B9B-DAB284263896}"/>
               </a:ext>
             </a:extLst>
           </p:cNvPr>
@@ -2116,7 +2116,7 @@
           <a:bodyPr/>
           <a:lstStyle/>
           <a:p>
-            <a:fld id="{EF6EBCA6-870F-40DD-9EF1-CD0755D6E1DB}" type="slidenum">
+            <a:fld id="{1F2CE66E-468A-4082-B8F4-BBDB1919ED43}" type="slidenum">
               <a:rPr lang="zh-CN" altLang="en-US" smtClean="0"/>
               <a:t>‹#›</a:t>
             </a:fld>
@@ -2127,7 +2127,7 @@
     </p:spTree>
     <p:extLst>
       <p:ext uri="{BB962C8B-B14F-4D97-AF65-F5344CB8AC3E}">
-        <p14:creationId xmlns:p14="http://schemas.microsoft.com/office/powerpoint/2010/main" val="976894772"/>
+        <p14:creationId xmlns:p14="http://schemas.microsoft.com/office/powerpoint/2010/main" val="1550105821"/>
       </p:ext>
     </p:extLst>
   </p:cSld>
@@ -2159,7 +2159,7 @@
           <p:cNvPr id="2" name="标题 1">
             <a:extLst>
               <a:ext uri="{FF2B5EF4-FFF2-40B4-BE49-F238E27FC236}">
-                <a16:creationId xmlns:a16="http://schemas.microsoft.com/office/drawing/2014/main" id="{A5B9F9E6-B348-96C3-2FA4-6ED7F77355D3}"/>
+                <a16:creationId xmlns:a16="http://schemas.microsoft.com/office/drawing/2014/main" id="{560996F3-C0BD-2225-273E-580B4D2677E4}"/>
               </a:ext>
             </a:extLst>
           </p:cNvPr>
@@ -2196,7 +2196,7 @@
           <p:cNvPr id="3" name="内容占位符 2">
             <a:extLst>
               <a:ext uri="{FF2B5EF4-FFF2-40B4-BE49-F238E27FC236}">
-                <a16:creationId xmlns:a16="http://schemas.microsoft.com/office/drawing/2014/main" id="{5320712D-E9FF-2EFB-9999-883809AA0979}"/>
+                <a16:creationId xmlns:a16="http://schemas.microsoft.com/office/drawing/2014/main" id="{CB4378E2-C35A-19FE-2F7C-CE98AD6132EA}"/>
               </a:ext>
             </a:extLst>
           </p:cNvPr>
@@ -2286,7 +2286,7 @@
           <p:cNvPr id="4" name="文本占位符 3">
             <a:extLst>
               <a:ext uri="{FF2B5EF4-FFF2-40B4-BE49-F238E27FC236}">
-                <a16:creationId xmlns:a16="http://schemas.microsoft.com/office/drawing/2014/main" id="{38416829-2CC5-C344-6906-272F0528F8C7}"/>
+                <a16:creationId xmlns:a16="http://schemas.microsoft.com/office/drawing/2014/main" id="{49AAF019-9ADF-3D9B-7554-C7106BCA8D5A}"/>
               </a:ext>
             </a:extLst>
           </p:cNvPr>
@@ -2357,7 +2357,7 @@
           <p:cNvPr id="5" name="日期占位符 4">
             <a:extLst>
               <a:ext uri="{FF2B5EF4-FFF2-40B4-BE49-F238E27FC236}">
-                <a16:creationId xmlns:a16="http://schemas.microsoft.com/office/drawing/2014/main" id="{1901EFC9-57A3-7937-1093-040D167A4E8C}"/>
+                <a16:creationId xmlns:a16="http://schemas.microsoft.com/office/drawing/2014/main" id="{FE6D1054-5546-F8F7-D226-52D2C9ADE119}"/>
               </a:ext>
             </a:extLst>
           </p:cNvPr>
@@ -2373,7 +2373,7 @@
           <a:bodyPr/>
           <a:lstStyle/>
           <a:p>
-            <a:fld id="{F5C09710-630A-4FDE-BBAF-97474E79DCA1}" type="datetimeFigureOut">
+            <a:fld id="{4DF446D5-0FCE-4197-AA9D-5511CD2248E5}" type="datetimeFigureOut">
               <a:rPr lang="zh-CN" altLang="en-US" smtClean="0"/>
               <a:t>2024/3/10</a:t>
             </a:fld>
@@ -2386,7 +2386,7 @@
           <p:cNvPr id="6" name="页脚占位符 5">
             <a:extLst>
               <a:ext uri="{FF2B5EF4-FFF2-40B4-BE49-F238E27FC236}">
-                <a16:creationId xmlns:a16="http://schemas.microsoft.com/office/drawing/2014/main" id="{CD990ADF-6DDD-C14A-6A3C-916B565A1256}"/>
+                <a16:creationId xmlns:a16="http://schemas.microsoft.com/office/drawing/2014/main" id="{15536FD4-90B3-E637-07C8-40634F739E52}"/>
               </a:ext>
             </a:extLst>
           </p:cNvPr>
@@ -2411,7 +2411,7 @@
           <p:cNvPr id="7" name="灯片编号占位符 6">
             <a:extLst>
               <a:ext uri="{FF2B5EF4-FFF2-40B4-BE49-F238E27FC236}">
-                <a16:creationId xmlns:a16="http://schemas.microsoft.com/office/drawing/2014/main" id="{34121C0F-B6F0-5CBF-31D8-CF6220195211}"/>
+                <a16:creationId xmlns:a16="http://schemas.microsoft.com/office/drawing/2014/main" id="{8C16829D-B226-4AFC-8A04-393B7D9CEC2E}"/>
               </a:ext>
             </a:extLst>
           </p:cNvPr>
@@ -2427,7 +2427,7 @@
           <a:bodyPr/>
           <a:lstStyle/>
           <a:p>
-            <a:fld id="{EF6EBCA6-870F-40DD-9EF1-CD0755D6E1DB}" type="slidenum">
+            <a:fld id="{1F2CE66E-468A-4082-B8F4-BBDB1919ED43}" type="slidenum">
               <a:rPr lang="zh-CN" altLang="en-US" smtClean="0"/>
               <a:t>‹#›</a:t>
             </a:fld>
@@ -2438,7 +2438,7 @@
     </p:spTree>
     <p:extLst>
       <p:ext uri="{BB962C8B-B14F-4D97-AF65-F5344CB8AC3E}">
-        <p14:creationId xmlns:p14="http://schemas.microsoft.com/office/powerpoint/2010/main" val="350569932"/>
+        <p14:creationId xmlns:p14="http://schemas.microsoft.com/office/powerpoint/2010/main" val="2686717155"/>
       </p:ext>
     </p:extLst>
   </p:cSld>
@@ -2470,7 +2470,7 @@
           <p:cNvPr id="2" name="标题 1">
             <a:extLst>
               <a:ext uri="{FF2B5EF4-FFF2-40B4-BE49-F238E27FC236}">
-                <a16:creationId xmlns:a16="http://schemas.microsoft.com/office/drawing/2014/main" id="{34BFCB25-9A89-405D-7896-9F943D4E0738}"/>
+                <a16:creationId xmlns:a16="http://schemas.microsoft.com/office/drawing/2014/main" id="{DD9E9648-F422-83C0-CA61-9DB755DEB533}"/>
               </a:ext>
             </a:extLst>
           </p:cNvPr>
@@ -2507,7 +2507,7 @@
           <p:cNvPr id="3" name="图片占位符 2">
             <a:extLst>
               <a:ext uri="{FF2B5EF4-FFF2-40B4-BE49-F238E27FC236}">
-                <a16:creationId xmlns:a16="http://schemas.microsoft.com/office/drawing/2014/main" id="{87E9DFC8-A454-0B6E-59BF-73E4124C48CF}"/>
+                <a16:creationId xmlns:a16="http://schemas.microsoft.com/office/drawing/2014/main" id="{A15F83A8-96C9-ED07-86BA-6C4A4FDAD8C7}"/>
               </a:ext>
             </a:extLst>
           </p:cNvPr>
@@ -2574,7 +2574,7 @@
           <p:cNvPr id="4" name="文本占位符 3">
             <a:extLst>
               <a:ext uri="{FF2B5EF4-FFF2-40B4-BE49-F238E27FC236}">
-                <a16:creationId xmlns:a16="http://schemas.microsoft.com/office/drawing/2014/main" id="{8E72C8ED-8789-E230-52C3-554D2519DEFA}"/>
+                <a16:creationId xmlns:a16="http://schemas.microsoft.com/office/drawing/2014/main" id="{F7DC20B4-000F-A854-5EBC-3E7AC6FDEEAA}"/>
               </a:ext>
             </a:extLst>
           </p:cNvPr>
@@ -2645,7 +2645,7 @@
           <p:cNvPr id="5" name="日期占位符 4">
             <a:extLst>
               <a:ext uri="{FF2B5EF4-FFF2-40B4-BE49-F238E27FC236}">
-                <a16:creationId xmlns:a16="http://schemas.microsoft.com/office/drawing/2014/main" id="{1B82D1DD-5A3D-6217-0F6B-B920B931F036}"/>
+                <a16:creationId xmlns:a16="http://schemas.microsoft.com/office/drawing/2014/main" id="{FFB0FCF1-1EF3-6990-F3B5-9468A8C8110B}"/>
               </a:ext>
             </a:extLst>
           </p:cNvPr>
@@ -2661,7 +2661,7 @@
           <a:bodyPr/>
           <a:lstStyle/>
           <a:p>
-            <a:fld id="{F5C09710-630A-4FDE-BBAF-97474E79DCA1}" type="datetimeFigureOut">
+            <a:fld id="{4DF446D5-0FCE-4197-AA9D-5511CD2248E5}" type="datetimeFigureOut">
               <a:rPr lang="zh-CN" altLang="en-US" smtClean="0"/>
               <a:t>2024/3/10</a:t>
             </a:fld>
@@ -2674,7 +2674,7 @@
           <p:cNvPr id="6" name="页脚占位符 5">
             <a:extLst>
               <a:ext uri="{FF2B5EF4-FFF2-40B4-BE49-F238E27FC236}">
-                <a16:creationId xmlns:a16="http://schemas.microsoft.com/office/drawing/2014/main" id="{E47D2E5C-5D01-429C-92AA-0D978388CB5B}"/>
+                <a16:creationId xmlns:a16="http://schemas.microsoft.com/office/drawing/2014/main" id="{A87F39E5-24EF-AACD-46BF-6063563AE87D}"/>
               </a:ext>
             </a:extLst>
           </p:cNvPr>
@@ -2699,7 +2699,7 @@
           <p:cNvPr id="7" name="灯片编号占位符 6">
             <a:extLst>
               <a:ext uri="{FF2B5EF4-FFF2-40B4-BE49-F238E27FC236}">
-                <a16:creationId xmlns:a16="http://schemas.microsoft.com/office/drawing/2014/main" id="{DEC701C8-BA1A-431E-4576-3BBFAB602F67}"/>
+                <a16:creationId xmlns:a16="http://schemas.microsoft.com/office/drawing/2014/main" id="{ADBA3412-C9B8-0813-C197-26D0157FEB66}"/>
               </a:ext>
             </a:extLst>
           </p:cNvPr>
@@ -2715,7 +2715,7 @@
           <a:bodyPr/>
           <a:lstStyle/>
           <a:p>
-            <a:fld id="{EF6EBCA6-870F-40DD-9EF1-CD0755D6E1DB}" type="slidenum">
+            <a:fld id="{1F2CE66E-468A-4082-B8F4-BBDB1919ED43}" type="slidenum">
               <a:rPr lang="zh-CN" altLang="en-US" smtClean="0"/>
               <a:t>‹#›</a:t>
             </a:fld>
@@ -2726,7 +2726,7 @@
     </p:spTree>
     <p:extLst>
       <p:ext uri="{BB962C8B-B14F-4D97-AF65-F5344CB8AC3E}">
-        <p14:creationId xmlns:p14="http://schemas.microsoft.com/office/powerpoint/2010/main" val="524882135"/>
+        <p14:creationId xmlns:p14="http://schemas.microsoft.com/office/powerpoint/2010/main" val="1514371636"/>
       </p:ext>
     </p:extLst>
   </p:cSld>
@@ -2763,7 +2763,7 @@
           <p:cNvPr id="2" name="标题占位符 1">
             <a:extLst>
               <a:ext uri="{FF2B5EF4-FFF2-40B4-BE49-F238E27FC236}">
-                <a16:creationId xmlns:a16="http://schemas.microsoft.com/office/drawing/2014/main" id="{4E6E2929-7031-3F6E-2CFD-253F75E5A55C}"/>
+                <a16:creationId xmlns:a16="http://schemas.microsoft.com/office/drawing/2014/main" id="{0711FE62-F0B0-D8AA-C68D-F2FE939918BA}"/>
               </a:ext>
             </a:extLst>
           </p:cNvPr>
@@ -2801,7 +2801,7 @@
           <p:cNvPr id="3" name="文本占位符 2">
             <a:extLst>
               <a:ext uri="{FF2B5EF4-FFF2-40B4-BE49-F238E27FC236}">
-                <a16:creationId xmlns:a16="http://schemas.microsoft.com/office/drawing/2014/main" id="{AFDFCF15-45E5-AC1A-9FFF-6F8548F00275}"/>
+                <a16:creationId xmlns:a16="http://schemas.microsoft.com/office/drawing/2014/main" id="{13ADDC76-5AE1-F01F-234D-BFFAB85CC7E3}"/>
               </a:ext>
             </a:extLst>
           </p:cNvPr>
@@ -2868,7 +2868,7 @@
           <p:cNvPr id="4" name="日期占位符 3">
             <a:extLst>
               <a:ext uri="{FF2B5EF4-FFF2-40B4-BE49-F238E27FC236}">
-                <a16:creationId xmlns:a16="http://schemas.microsoft.com/office/drawing/2014/main" id="{AC097D4A-88B4-0B8B-AFFE-769DAC2F5EA0}"/>
+                <a16:creationId xmlns:a16="http://schemas.microsoft.com/office/drawing/2014/main" id="{CEC8A37C-BC19-532A-4A94-0DC156218039}"/>
               </a:ext>
             </a:extLst>
           </p:cNvPr>
@@ -2902,7 +2902,7 @@
             </a:lvl1pPr>
           </a:lstStyle>
           <a:p>
-            <a:fld id="{F5C09710-630A-4FDE-BBAF-97474E79DCA1}" type="datetimeFigureOut">
+            <a:fld id="{4DF446D5-0FCE-4197-AA9D-5511CD2248E5}" type="datetimeFigureOut">
               <a:rPr lang="zh-CN" altLang="en-US" smtClean="0"/>
               <a:t>2024/3/10</a:t>
             </a:fld>
@@ -2915,7 +2915,7 @@
           <p:cNvPr id="5" name="页脚占位符 4">
             <a:extLst>
               <a:ext uri="{FF2B5EF4-FFF2-40B4-BE49-F238E27FC236}">
-                <a16:creationId xmlns:a16="http://schemas.microsoft.com/office/drawing/2014/main" id="{4276F7D4-DAA1-6DD8-CDED-26E700576D70}"/>
+                <a16:creationId xmlns:a16="http://schemas.microsoft.com/office/drawing/2014/main" id="{E257D943-CE45-D292-F86F-CC5688255D07}"/>
               </a:ext>
             </a:extLst>
           </p:cNvPr>
@@ -2958,7 +2958,7 @@
           <p:cNvPr id="6" name="灯片编号占位符 5">
             <a:extLst>
               <a:ext uri="{FF2B5EF4-FFF2-40B4-BE49-F238E27FC236}">
-                <a16:creationId xmlns:a16="http://schemas.microsoft.com/office/drawing/2014/main" id="{49B3492C-3A27-4603-7044-B22DFAC9A87A}"/>
+                <a16:creationId xmlns:a16="http://schemas.microsoft.com/office/drawing/2014/main" id="{CED827C8-943D-845A-94A7-01FFDE296745}"/>
               </a:ext>
             </a:extLst>
           </p:cNvPr>
@@ -2992,7 +2992,7 @@
             </a:lvl1pPr>
           </a:lstStyle>
           <a:p>
-            <a:fld id="{EF6EBCA6-870F-40DD-9EF1-CD0755D6E1DB}" type="slidenum">
+            <a:fld id="{1F2CE66E-468A-4082-B8F4-BBDB1919ED43}" type="slidenum">
               <a:rPr lang="zh-CN" altLang="en-US" smtClean="0"/>
               <a:t>‹#›</a:t>
             </a:fld>
@@ -3003,7 +3003,7 @@
     </p:spTree>
     <p:extLst>
       <p:ext uri="{BB962C8B-B14F-4D97-AF65-F5344CB8AC3E}">
-        <p14:creationId xmlns:p14="http://schemas.microsoft.com/office/powerpoint/2010/main" val="2813958772"/>
+        <p14:creationId xmlns:p14="http://schemas.microsoft.com/office/powerpoint/2010/main" val="1328943633"/>
       </p:ext>
     </p:extLst>
   </p:cSld>
@@ -3323,7 +3323,7 @@
       </p:grpSpPr>
       <p:pic>
         <p:nvPicPr>
-          <p:cNvPr id="313346" name="Picture 2" descr="图片2"/>
+          <p:cNvPr id="314370" name="Picture 2" descr="306"/>
           <p:cNvPicPr>
             <a:picLocks noChangeAspect="1" noChangeArrowheads="1"/>
           </p:cNvPicPr>
@@ -3344,8 +3344,8 @@
         </p:blipFill>
         <p:spPr bwMode="auto">
           <a:xfrm>
-            <a:off x="1524000" y="-22225"/>
-            <a:ext cx="9144000" cy="6853238"/>
+            <a:off x="1524000" y="0"/>
+            <a:ext cx="9144000" cy="6859588"/>
           </a:xfrm>
           <a:prstGeom prst="rect">
             <a:avLst/>
